--- a/Thesis-Präsentation-Ertugrul_Özkara.pptx
+++ b/Thesis-Präsentation-Ertugrul_Özkara.pptx
@@ -5,7 +5,7 @@
     <p:sldMasterId id="2147483648" r:id="rId1"/>
   </p:sldMasterIdLst>
   <p:notesMasterIdLst>
-    <p:notesMasterId r:id="rId45"/>
+    <p:notesMasterId r:id="rId46"/>
   </p:notesMasterIdLst>
   <p:sldIdLst>
     <p:sldId id="257" r:id="rId2"/>
@@ -49,8 +49,9 @@
     <p:sldId id="307" r:id="rId40"/>
     <p:sldId id="308" r:id="rId41"/>
     <p:sldId id="309" r:id="rId42"/>
-    <p:sldId id="310" r:id="rId43"/>
-    <p:sldId id="311" r:id="rId44"/>
+    <p:sldId id="315" r:id="rId43"/>
+    <p:sldId id="310" r:id="rId44"/>
+    <p:sldId id="311" r:id="rId45"/>
   </p:sldIdLst>
   <p:sldSz cx="9144000" cy="6858000" type="screen4x3"/>
   <p:notesSz cx="6858000" cy="9144000"/>
@@ -846,15 +847,7 @@
                   <a:srgbClr val="000000"/>
                 </a:solidFill>
               </a:rPr>
-              <a:t> </a:t>
-            </a:r>
-            <a:r>
-              <a:rPr lang="de-DE" b="0" baseline="0" dirty="0" smtClean="0">
-                <a:solidFill>
-                  <a:srgbClr val="000000"/>
-                </a:solidFill>
-              </a:rPr>
-              <a:t>für die Zusammenarbeit danken </a:t>
+              <a:t> für die Zusammenarbeit danken </a:t>
             </a:r>
             <a:br>
               <a:rPr lang="de-DE" b="0" baseline="0" dirty="0" smtClean="0">
@@ -869,15 +862,7 @@
                   <a:srgbClr val="000000"/>
                 </a:solidFill>
               </a:rPr>
-              <a:t>und </a:t>
-            </a:r>
-            <a:r>
-              <a:rPr lang="de-DE" b="0" baseline="0" dirty="0" smtClean="0">
-                <a:solidFill>
-                  <a:srgbClr val="000000"/>
-                </a:solidFill>
-              </a:rPr>
-              <a:t>ebenfalls möchte ich Prof Noll dafür danken das er die Position als Zweitkorrektor angenommen hat</a:t>
+              <a:t>und ebenfalls möchte ich Prof Noll dafür danken das er die Position als Zweitkorrektor angenommen hat</a:t>
             </a:r>
           </a:p>
           <a:p>
@@ -2052,10 +2037,6 @@
               </a:rPr>
               <a:t>Verteiltes/Gleichzeitiges arbeiten möglich</a:t>
             </a:r>
-            <a:endParaRPr lang="de-DE" dirty="0" smtClean="0">
-              <a:latin typeface="+mn-lt"/>
-              <a:sym typeface="Wingdings" panose="05000000000000000000" pitchFamily="2" charset="2"/>
-            </a:endParaRPr>
           </a:p>
           <a:p>
             <a:pPr marL="0" indent="0">
@@ -2067,14 +2048,7 @@
                 <a:latin typeface="+mn-lt"/>
                 <a:sym typeface="Wingdings" panose="05000000000000000000" pitchFamily="2" charset="2"/>
               </a:rPr>
-              <a:t>Und Arbeiten </a:t>
-            </a:r>
-            <a:r>
-              <a:rPr lang="de-DE" dirty="0" smtClean="0">
-                <a:latin typeface="+mn-lt"/>
-                <a:sym typeface="Wingdings" panose="05000000000000000000" pitchFamily="2" charset="2"/>
-              </a:rPr>
-              <a:t>ohne Datenverlust dank </a:t>
+              <a:t>Und Arbeiten ohne Datenverlust dank </a:t>
             </a:r>
             <a:r>
               <a:rPr lang="de-DE" dirty="0" err="1" smtClean="0">
@@ -3196,9 +3170,6 @@
               </a:rPr>
               <a:t>Gliederungspunkte ausgearbeitet</a:t>
             </a:r>
-            <a:endParaRPr lang="de-DE" baseline="0" dirty="0" smtClean="0">
-              <a:latin typeface="+mn-lt"/>
-            </a:endParaRPr>
           </a:p>
           <a:p>
             <a:pPr marL="0" indent="0">
@@ -3568,10 +3539,10 @@
                 <a:ea typeface="MS PGothic" pitchFamily="34" charset="-128"/>
                 <a:cs typeface="ＭＳ Ｐゴシック" charset="-128"/>
               </a:rPr>
-              <a:t>Neben den Momentaufnahmen ist eine </a:t>
-            </a:r>
-            <a:r>
-              <a:rPr lang="de-DE" sz="1200" kern="1200" baseline="0" dirty="0" smtClean="0">
+              <a:t>Neben den Momentaufnahmen ist eine Besonderheit von </a:t>
+            </a:r>
+            <a:r>
+              <a:rPr lang="de-DE" sz="1200" kern="1200" baseline="0" dirty="0" err="1" smtClean="0">
                 <a:solidFill>
                   <a:schemeClr val="tx1"/>
                 </a:solidFill>
@@ -3579,7 +3550,7 @@
                 <a:ea typeface="MS PGothic" pitchFamily="34" charset="-128"/>
                 <a:cs typeface="ＭＳ Ｐゴシック" charset="-128"/>
               </a:rPr>
-              <a:t>Besonderheit </a:t>
+              <a:t>Git</a:t>
             </a:r>
             <a:r>
               <a:rPr lang="de-DE" sz="1200" kern="1200" baseline="0" dirty="0" smtClean="0">
@@ -3590,10 +3561,16 @@
                 <a:ea typeface="MS PGothic" pitchFamily="34" charset="-128"/>
                 <a:cs typeface="ＭＳ Ｐゴシック" charset="-128"/>
               </a:rPr>
-              <a:t>von </a:t>
-            </a:r>
-            <a:r>
-              <a:rPr lang="de-DE" sz="1200" kern="1200" baseline="0" dirty="0" err="1" smtClean="0">
+              <a:t> das es mit Schlüssel-Wert-Paaren arbeitet, der Schlüssel ist der Hash-Wert…</a:t>
+            </a:r>
+          </a:p>
+          <a:p>
+            <a:pPr marL="171450" indent="-171450">
+              <a:buFont typeface="Arial" panose="020B0604020202020204" pitchFamily="34" charset="0"/>
+              <a:buChar char="•"/>
+            </a:pPr>
+            <a:r>
+              <a:rPr lang="de-DE" sz="1200" kern="1200" baseline="0" dirty="0" smtClean="0">
                 <a:solidFill>
                   <a:schemeClr val="tx1"/>
                 </a:solidFill>
@@ -3601,10 +3578,10 @@
                 <a:ea typeface="MS PGothic" pitchFamily="34" charset="-128"/>
                 <a:cs typeface="ＭＳ Ｐゴシック" charset="-128"/>
               </a:rPr>
-              <a:t>Git</a:t>
-            </a:r>
-            <a:r>
-              <a:rPr lang="de-DE" sz="1200" kern="1200" baseline="0" dirty="0" smtClean="0">
+              <a:t>Dieser Hash-Wert wird einzelnen Dateien Verzeichnissen und </a:t>
+            </a:r>
+            <a:r>
+              <a:rPr lang="de-DE" sz="1200" kern="1200" baseline="0" dirty="0" err="1" smtClean="0">
                 <a:solidFill>
                   <a:schemeClr val="tx1"/>
                 </a:solidFill>
@@ -3612,7 +3589,18 @@
                 <a:ea typeface="MS PGothic" pitchFamily="34" charset="-128"/>
                 <a:cs typeface="ＭＳ Ｐゴシック" charset="-128"/>
               </a:rPr>
-              <a:t> das es mit Schlüssel-Wert-Paaren arbeitet, der Schlüssel ist der Hash-Wert…</a:t>
+              <a:t>commits</a:t>
+            </a:r>
+            <a:r>
+              <a:rPr lang="de-DE" sz="1200" kern="1200" baseline="0" dirty="0" smtClean="0">
+                <a:solidFill>
+                  <a:schemeClr val="tx1"/>
+                </a:solidFill>
+                <a:latin typeface="Arial" charset="0"/>
+                <a:ea typeface="MS PGothic" pitchFamily="34" charset="-128"/>
+                <a:cs typeface="ＭＳ Ｐゴシック" charset="-128"/>
+              </a:rPr>
+              <a:t> zugeordnet </a:t>
             </a:r>
           </a:p>
           <a:p>
@@ -3629,76 +3617,7 @@
                 <a:ea typeface="MS PGothic" pitchFamily="34" charset="-128"/>
                 <a:cs typeface="ＭＳ Ｐゴシック" charset="-128"/>
               </a:rPr>
-              <a:t>Dieser Hash-Wert wird </a:t>
-            </a:r>
-            <a:r>
-              <a:rPr lang="de-DE" sz="1200" kern="1200" baseline="0" dirty="0" smtClean="0">
-                <a:solidFill>
-                  <a:schemeClr val="tx1"/>
-                </a:solidFill>
-                <a:latin typeface="Arial" charset="0"/>
-                <a:ea typeface="MS PGothic" pitchFamily="34" charset="-128"/>
-                <a:cs typeface="ＭＳ Ｐゴシック" charset="-128"/>
-              </a:rPr>
-              <a:t>einzelnen Dateien Verzeichnissen und </a:t>
-            </a:r>
-            <a:r>
-              <a:rPr lang="de-DE" sz="1200" kern="1200" baseline="0" dirty="0" err="1" smtClean="0">
-                <a:solidFill>
-                  <a:schemeClr val="tx1"/>
-                </a:solidFill>
-                <a:latin typeface="Arial" charset="0"/>
-                <a:ea typeface="MS PGothic" pitchFamily="34" charset="-128"/>
-                <a:cs typeface="ＭＳ Ｐゴシック" charset="-128"/>
-              </a:rPr>
-              <a:t>commits</a:t>
-            </a:r>
-            <a:r>
-              <a:rPr lang="de-DE" sz="1200" kern="1200" baseline="0" dirty="0" smtClean="0">
-                <a:solidFill>
-                  <a:schemeClr val="tx1"/>
-                </a:solidFill>
-                <a:latin typeface="Arial" charset="0"/>
-                <a:ea typeface="MS PGothic" pitchFamily="34" charset="-128"/>
-                <a:cs typeface="ＭＳ Ｐゴシック" charset="-128"/>
-              </a:rPr>
-              <a:t> zugeordnet </a:t>
-            </a:r>
-            <a:endParaRPr lang="de-DE" sz="1200" kern="1200" baseline="0" dirty="0" smtClean="0">
-              <a:solidFill>
-                <a:schemeClr val="tx1"/>
-              </a:solidFill>
-              <a:latin typeface="Arial" charset="0"/>
-              <a:ea typeface="MS PGothic" pitchFamily="34" charset="-128"/>
-              <a:cs typeface="ＭＳ Ｐゴシック" charset="-128"/>
-            </a:endParaRPr>
-          </a:p>
-          <a:p>
-            <a:pPr marL="171450" indent="-171450">
-              <a:buFont typeface="Arial" panose="020B0604020202020204" pitchFamily="34" charset="0"/>
-              <a:buChar char="•"/>
-            </a:pPr>
-            <a:r>
-              <a:rPr lang="de-DE" sz="1200" kern="1200" baseline="0" dirty="0" smtClean="0">
-                <a:solidFill>
-                  <a:schemeClr val="tx1"/>
-                </a:solidFill>
-                <a:latin typeface="Arial" charset="0"/>
-                <a:ea typeface="MS PGothic" pitchFamily="34" charset="-128"/>
-                <a:cs typeface="ＭＳ Ｐゴシック" charset="-128"/>
-              </a:rPr>
-              <a:t>Grob </a:t>
-            </a:r>
-            <a:r>
-              <a:rPr lang="de-DE" sz="1200" kern="1200" baseline="0" dirty="0" smtClean="0">
-                <a:solidFill>
-                  <a:schemeClr val="tx1"/>
-                </a:solidFill>
-                <a:latin typeface="Arial" charset="0"/>
-                <a:ea typeface="MS PGothic" pitchFamily="34" charset="-128"/>
-                <a:cs typeface="ＭＳ Ｐゴシック" charset="-128"/>
-              </a:rPr>
-              <a:t>gesehen könnte man sagen das </a:t>
+              <a:t>Grob gesehen könnte man sagen das </a:t>
             </a:r>
             <a:r>
               <a:rPr lang="de-DE" sz="1200" kern="1200" baseline="0" dirty="0" err="1" smtClean="0">
@@ -10180,27 +10099,66 @@
           <a:bodyPr/>
           <a:lstStyle/>
           <a:p>
-            <a:pPr marL="171450" marR="0" indent="-171450" algn="l" defTabSz="914400" rtl="0" eaLnBrk="0" fontAlgn="base" latinLnBrk="0" hangingPunct="0">
-              <a:lnSpc>
-                <a:spcPct val="100000"/>
-              </a:lnSpc>
-              <a:spcBef>
-                <a:spcPct val="30000"/>
-              </a:spcBef>
-              <a:spcAft>
-                <a:spcPct val="0"/>
-              </a:spcAft>
-              <a:buClrTx/>
-              <a:buSzTx/>
+            <a:pPr marL="0" indent="0">
               <a:buFont typeface="Arial" panose="020B0604020202020204" pitchFamily="34" charset="0"/>
-              <a:buChar char="•"/>
-              <a:tabLst/>
-              <a:defRPr/>
-            </a:pPr>
-            <a:endParaRPr lang="de-DE" b="0" dirty="0" smtClean="0">
-              <a:solidFill>
-                <a:srgbClr val="000000"/>
-              </a:solidFill>
+              <a:buNone/>
+            </a:pPr>
+            <a:r>
+              <a:rPr lang="de-DE" dirty="0" smtClean="0">
+                <a:latin typeface="+mn-lt"/>
+              </a:rPr>
+              <a:t>Brauchen</a:t>
+            </a:r>
+            <a:r>
+              <a:rPr lang="de-DE" baseline="0" dirty="0" smtClean="0">
+                <a:latin typeface="+mn-lt"/>
+              </a:rPr>
+              <a:t> einen Weg um </a:t>
+            </a:r>
+            <a:r>
+              <a:rPr lang="de-DE" baseline="0" dirty="0" err="1" smtClean="0">
+                <a:latin typeface="+mn-lt"/>
+              </a:rPr>
+              <a:t>Git</a:t>
+            </a:r>
+            <a:r>
+              <a:rPr lang="de-DE" baseline="0" dirty="0" smtClean="0">
+                <a:latin typeface="+mn-lt"/>
+              </a:rPr>
+              <a:t> bzw. </a:t>
+            </a:r>
+            <a:r>
+              <a:rPr lang="de-DE" baseline="0" dirty="0" err="1" smtClean="0">
+                <a:latin typeface="+mn-lt"/>
+              </a:rPr>
+              <a:t>GitHub</a:t>
+            </a:r>
+            <a:r>
+              <a:rPr lang="de-DE" baseline="0" dirty="0" smtClean="0">
+                <a:latin typeface="+mn-lt"/>
+              </a:rPr>
+              <a:t> in die Vorlesung von Prof </a:t>
+            </a:r>
+            <a:r>
+              <a:rPr lang="de-DE" baseline="0" dirty="0" err="1" smtClean="0">
+                <a:latin typeface="+mn-lt"/>
+              </a:rPr>
+              <a:t>Illik</a:t>
+            </a:r>
+            <a:r>
+              <a:rPr lang="de-DE" baseline="0" dirty="0" smtClean="0">
+                <a:latin typeface="+mn-lt"/>
+              </a:rPr>
+              <a:t> zu integrieren</a:t>
+            </a:r>
+          </a:p>
+          <a:p>
+            <a:pPr marL="0" indent="0">
+              <a:buFont typeface="Arial" panose="020B0604020202020204" pitchFamily="34" charset="0"/>
+              <a:buNone/>
+            </a:pPr>
+            <a:endParaRPr lang="de-DE" dirty="0">
+              <a:latin typeface="+mn-lt"/>
             </a:endParaRPr>
           </a:p>
         </p:txBody>
@@ -10358,6 +10316,117 @@
 </p:notes>
 </file>
 
+<file path=ppt/notesSlides/notesSlide44.xml><?xml version="1.0" encoding="utf-8"?>
+<p:notes xmlns:a="http://schemas.openxmlformats.org/drawingml/2006/main" xmlns:r="http://schemas.openxmlformats.org/officeDocument/2006/relationships" xmlns:p="http://schemas.openxmlformats.org/presentationml/2006/main">
+  <p:cSld>
+    <p:spTree>
+      <p:nvGrpSpPr>
+        <p:cNvPr id="1" name=""/>
+        <p:cNvGrpSpPr/>
+        <p:nvPr/>
+      </p:nvGrpSpPr>
+      <p:grpSpPr>
+        <a:xfrm>
+          <a:off x="0" y="0"/>
+          <a:ext cx="0" cy="0"/>
+          <a:chOff x="0" y="0"/>
+          <a:chExt cx="0" cy="0"/>
+        </a:xfrm>
+      </p:grpSpPr>
+      <p:sp>
+        <p:nvSpPr>
+          <p:cNvPr id="2" name="Folienbildplatzhalter 1"/>
+          <p:cNvSpPr>
+            <a:spLocks noGrp="1" noRot="1" noChangeAspect="1"/>
+          </p:cNvSpPr>
+          <p:nvPr>
+            <p:ph type="sldImg"/>
+          </p:nvPr>
+        </p:nvSpPr>
+        <p:spPr/>
+      </p:sp>
+      <p:sp>
+        <p:nvSpPr>
+          <p:cNvPr id="3" name="Notizenplatzhalter 2"/>
+          <p:cNvSpPr>
+            <a:spLocks noGrp="1"/>
+          </p:cNvSpPr>
+          <p:nvPr>
+            <p:ph type="body" idx="1"/>
+          </p:nvPr>
+        </p:nvSpPr>
+        <p:spPr/>
+        <p:txBody>
+          <a:bodyPr/>
+          <a:lstStyle/>
+          <a:p>
+            <a:pPr marL="171450" marR="0" indent="-171450" algn="l" defTabSz="914400" rtl="0" eaLnBrk="0" fontAlgn="base" latinLnBrk="0" hangingPunct="0">
+              <a:lnSpc>
+                <a:spcPct val="100000"/>
+              </a:lnSpc>
+              <a:spcBef>
+                <a:spcPct val="30000"/>
+              </a:spcBef>
+              <a:spcAft>
+                <a:spcPct val="0"/>
+              </a:spcAft>
+              <a:buClrTx/>
+              <a:buSzTx/>
+              <a:buFont typeface="Arial" panose="020B0604020202020204" pitchFamily="34" charset="0"/>
+              <a:buChar char="•"/>
+              <a:tabLst/>
+              <a:defRPr/>
+            </a:pPr>
+            <a:endParaRPr lang="de-DE" b="0" dirty="0" smtClean="0">
+              <a:solidFill>
+                <a:srgbClr val="000000"/>
+              </a:solidFill>
+            </a:endParaRPr>
+          </a:p>
+        </p:txBody>
+      </p:sp>
+      <p:sp>
+        <p:nvSpPr>
+          <p:cNvPr id="4" name="Foliennummernplatzhalter 3"/>
+          <p:cNvSpPr>
+            <a:spLocks noGrp="1"/>
+          </p:cNvSpPr>
+          <p:nvPr>
+            <p:ph type="sldNum" sz="quarter" idx="10"/>
+          </p:nvPr>
+        </p:nvSpPr>
+        <p:spPr/>
+        <p:txBody>
+          <a:bodyPr/>
+          <a:lstStyle/>
+          <a:p>
+            <a:pPr>
+              <a:defRPr/>
+            </a:pPr>
+            <a:fld id="{69416D27-C533-4FFA-9A00-D046B64C63BF}" type="slidenum">
+              <a:rPr lang="de-DE" smtClean="0"/>
+              <a:pPr>
+                <a:defRPr/>
+              </a:pPr>
+              <a:t>44</a:t>
+            </a:fld>
+            <a:endParaRPr lang="de-DE"/>
+          </a:p>
+        </p:txBody>
+      </p:sp>
+    </p:spTree>
+    <p:extLst>
+      <p:ext uri="{BB962C8B-B14F-4D97-AF65-F5344CB8AC3E}">
+        <p14:creationId xmlns:p14="http://schemas.microsoft.com/office/powerpoint/2010/main" val="1353994050"/>
+      </p:ext>
+    </p:extLst>
+  </p:cSld>
+  <p:clrMapOvr>
+    <a:masterClrMapping/>
+  </p:clrMapOvr>
+</p:notes>
+</file>
+
 <file path=ppt/notesSlides/notesSlide5.xml><?xml version="1.0" encoding="utf-8"?>
 <p:notes xmlns:a="http://schemas.openxmlformats.org/drawingml/2006/main" xmlns:r="http://schemas.openxmlformats.org/officeDocument/2006/relationships" xmlns:p="http://schemas.openxmlformats.org/presentationml/2006/main">
   <p:cSld>
@@ -10860,29 +10929,8 @@
               <a:rPr lang="de-DE" baseline="0" dirty="0" smtClean="0">
                 <a:latin typeface="+mn-lt"/>
               </a:rPr>
-              <a:t>was Versionsverwaltung oder Versionskontrolle überhaupt ist </a:t>
-            </a:r>
-            <a:r>
-              <a:rPr lang="de-DE" baseline="0" dirty="0" smtClean="0">
-                <a:latin typeface="+mn-lt"/>
-              </a:rPr>
-              <a:t>um die Wichtigsten </a:t>
-            </a:r>
-            <a:r>
-              <a:rPr lang="de-DE" baseline="0" dirty="0" smtClean="0">
-                <a:latin typeface="+mn-lt"/>
-              </a:rPr>
-              <a:t>Begriffe und Grundlagen </a:t>
-            </a:r>
-            <a:r>
-              <a:rPr lang="de-DE" baseline="0" dirty="0" smtClean="0">
-                <a:latin typeface="+mn-lt"/>
-              </a:rPr>
-              <a:t>zu klären</a:t>
-            </a:r>
-            <a:endParaRPr lang="de-DE" baseline="0" dirty="0" smtClean="0">
-              <a:latin typeface="+mn-lt"/>
-            </a:endParaRPr>
+              <a:t>was Versionsverwaltung oder Versionskontrolle überhaupt ist um die Wichtigsten Begriffe und Grundlagen zu klären</a:t>
+            </a:r>
           </a:p>
           <a:p>
             <a:pPr marL="0" indent="0">
@@ -10893,13 +10941,7 @@
               <a:rPr lang="de-DE" baseline="0" dirty="0" smtClean="0">
                 <a:latin typeface="+mn-lt"/>
               </a:rPr>
-              <a:t>Das möchte Ich Ihnen in dem zweiten Kapitel </a:t>
-            </a:r>
-            <a:r>
-              <a:rPr lang="de-DE" baseline="0" dirty="0" smtClean="0">
-                <a:latin typeface="+mn-lt"/>
-              </a:rPr>
-              <a:t>näher bringen</a:t>
+              <a:t>Das möchte Ich Ihnen in dem zweiten Kapitel näher bringen</a:t>
             </a:r>
             <a:endParaRPr lang="de-DE" dirty="0">
               <a:latin typeface="+mn-lt"/>
@@ -11772,7 +11814,7 @@
               <a:pPr>
                 <a:defRPr/>
               </a:pPr>
-              <a:t>09.11.2017</a:t>
+              <a:t>10.11.2017</a:t>
             </a:fld>
             <a:endParaRPr lang="de-DE"/>
           </a:p>
@@ -12197,7 +12239,7 @@
               <a:pPr>
                 <a:defRPr/>
               </a:pPr>
-              <a:t>09.11.2017</a:t>
+              <a:t>10.11.2017</a:t>
             </a:fld>
             <a:endParaRPr lang="de-DE"/>
           </a:p>
@@ -12642,7 +12684,7 @@
               <a:pPr>
                 <a:defRPr/>
               </a:pPr>
-              <a:t>09.11.2017</a:t>
+              <a:t>10.11.2017</a:t>
             </a:fld>
             <a:endParaRPr lang="de-DE"/>
           </a:p>
@@ -13099,7 +13141,7 @@
               <a:pPr>
                 <a:defRPr/>
               </a:pPr>
-              <a:t>09.11.2017</a:t>
+              <a:t>10.11.2017</a:t>
             </a:fld>
             <a:endParaRPr lang="de-DE"/>
           </a:p>
@@ -13247,7 +13289,7 @@
               <a:pPr>
                 <a:defRPr/>
               </a:pPr>
-              <a:t>09.11.2017</a:t>
+              <a:t>10.11.2017</a:t>
             </a:fld>
             <a:endParaRPr lang="de-DE"/>
           </a:p>
@@ -14082,7 +14124,7 @@
               <a:pPr>
                 <a:defRPr/>
               </a:pPr>
-              <a:t>09.11.2017</a:t>
+              <a:t>10.11.2017</a:t>
             </a:fld>
             <a:endParaRPr lang="de-DE"/>
           </a:p>
@@ -14953,7 +14995,7 @@
               <a:pPr>
                 <a:defRPr/>
               </a:pPr>
-              <a:t>09.11.2017</a:t>
+              <a:t>10.11.2017</a:t>
             </a:fld>
             <a:endParaRPr lang="de-DE" dirty="0">
               <a:latin typeface="Arial" panose="020B0604020202020204" pitchFamily="34" charset="0"/>
@@ -15095,7 +15137,7 @@
         <p:spPr>
           <a:xfrm>
             <a:off x="8187" y="5910731"/>
-            <a:ext cx="6429965" cy="313932"/>
+            <a:ext cx="5373587" cy="313932"/>
           </a:xfrm>
           <a:prstGeom prst="rect">
             <a:avLst/>
@@ -15114,7 +15156,7 @@
                   <a:srgbClr val="000000"/>
                 </a:solidFill>
               </a:rPr>
-              <a:t>Abbildung 3</a:t>
+              <a:t>Quelle</a:t>
             </a:r>
             <a:r>
               <a:rPr lang="de-DE" sz="1800" u="none" dirty="0">
@@ -15122,7 +15164,7 @@
                   <a:srgbClr val="000000"/>
                 </a:solidFill>
               </a:rPr>
-              <a:t>: Quelle: https://git-scm.com/book/en/v2/images/distributed.png</a:t>
+              <a:t>: https://git-scm.com/book/en/v2/images/distributed.png</a:t>
             </a:r>
           </a:p>
         </p:txBody>
@@ -15463,7 +15505,7 @@
               <a:pPr>
                 <a:defRPr/>
               </a:pPr>
-              <a:t>09.11.2017</a:t>
+              <a:t>10.11.2017</a:t>
             </a:fld>
             <a:endParaRPr lang="de-DE" dirty="0">
               <a:latin typeface="Arial" panose="020B0604020202020204" pitchFamily="34" charset="0"/>
@@ -16015,7 +16057,7 @@
               <a:pPr>
                 <a:defRPr/>
               </a:pPr>
-              <a:t>09.11.2017</a:t>
+              <a:t>10.11.2017</a:t>
             </a:fld>
             <a:endParaRPr lang="de-DE" dirty="0">
               <a:latin typeface="Arial" panose="020B0604020202020204" pitchFamily="34" charset="0"/>
@@ -16124,15 +16166,7 @@
                   <a:srgbClr val="000000"/>
                 </a:solidFill>
               </a:rPr>
-              <a:t>     Zentral    </a:t>
-            </a:r>
-            <a:r>
-              <a:rPr lang="de-DE" sz="2000" b="1" u="none" dirty="0" smtClean="0">
-                <a:solidFill>
-                  <a:srgbClr val="000000"/>
-                </a:solidFill>
-              </a:rPr>
-              <a:t>Verteilt:</a:t>
+              <a:t>     Zentral    Verteilt:</a:t>
             </a:r>
             <a:endParaRPr lang="de-DE" sz="2000" b="1" u="none" dirty="0">
               <a:solidFill>
@@ -16151,7 +16185,7 @@
         <p:spPr>
           <a:xfrm>
             <a:off x="0" y="5936330"/>
-            <a:ext cx="8089907" cy="313932"/>
+            <a:ext cx="6980629" cy="313932"/>
           </a:xfrm>
           <a:prstGeom prst="rect">
             <a:avLst/>
@@ -16170,7 +16204,7 @@
                   <a:srgbClr val="000000"/>
                 </a:solidFill>
               </a:rPr>
-              <a:t>Abbildung 4</a:t>
+              <a:t>Quelle</a:t>
             </a:r>
             <a:r>
               <a:rPr lang="de-DE" sz="1800" u="none" dirty="0">
@@ -16178,7 +16212,7 @@
                   <a:srgbClr val="000000"/>
                 </a:solidFill>
               </a:rPr>
-              <a:t>: Quelle: http://blog.seibert-media.net/wp-content/uploads/2014/07/GIT-SVN-0.png</a:t>
+              <a:t>: http://blog.seibert-media.net/wp-content/uploads/2014/07/GIT-SVN-0.png</a:t>
             </a:r>
           </a:p>
         </p:txBody>
@@ -16326,7 +16360,7 @@
               <a:pPr>
                 <a:defRPr/>
               </a:pPr>
-              <a:t>09.11.2017</a:t>
+              <a:t>10.11.2017</a:t>
             </a:fld>
             <a:endParaRPr lang="de-DE" dirty="0">
               <a:latin typeface="Arial" panose="020B0604020202020204" pitchFamily="34" charset="0"/>
@@ -16472,7 +16506,7 @@
         <p:spPr>
           <a:xfrm>
             <a:off x="323528" y="6021288"/>
-            <a:ext cx="6351419" cy="313932"/>
+            <a:ext cx="5189241" cy="313932"/>
           </a:xfrm>
           <a:prstGeom prst="rect">
             <a:avLst/>
@@ -16491,7 +16525,7 @@
                   <a:srgbClr val="000000"/>
                 </a:solidFill>
               </a:rPr>
-              <a:t>Abbildung 5: </a:t>
+              <a:t>Quelle</a:t>
             </a:r>
             <a:r>
               <a:rPr lang="de-DE" sz="1800" u="none" dirty="0">
@@ -16499,7 +16533,7 @@
                   <a:srgbClr val="000000"/>
                 </a:solidFill>
               </a:rPr>
-              <a:t>Quelle: http://svn.gnu.org.ua/svnbook/images/ch02dia2.png</a:t>
+              <a:t>: http://svn.gnu.org.ua/svnbook/images/ch02dia2.png</a:t>
             </a:r>
           </a:p>
         </p:txBody>
@@ -16657,7 +16691,7 @@
               <a:pPr>
                 <a:defRPr/>
               </a:pPr>
-              <a:t>09.11.2017</a:t>
+              <a:t>10.11.2017</a:t>
             </a:fld>
             <a:endParaRPr lang="de-DE" dirty="0">
               <a:latin typeface="Arial" panose="020B0604020202020204" pitchFamily="34" charset="0"/>
@@ -16803,7 +16837,7 @@
         <p:spPr>
           <a:xfrm>
             <a:off x="323528" y="6021288"/>
-            <a:ext cx="6793848" cy="313932"/>
+            <a:ext cx="5684569" cy="313932"/>
           </a:xfrm>
           <a:prstGeom prst="rect">
             <a:avLst/>
@@ -16822,7 +16856,7 @@
                   <a:srgbClr val="000000"/>
                 </a:solidFill>
               </a:rPr>
-              <a:t>Abbildung 6: </a:t>
+              <a:t>Quelle</a:t>
             </a:r>
             <a:r>
               <a:rPr lang="de-DE" sz="1800" u="none" dirty="0">
@@ -16830,7 +16864,7 @@
                   <a:srgbClr val="000000"/>
                 </a:solidFill>
               </a:rPr>
-              <a:t>Quelle: http://svnbook.red-bean.com/en/1.7/images/ch02dia3.png</a:t>
+              <a:t>: http://svnbook.red-bean.com/en/1.7/images/ch02dia3.png</a:t>
             </a:r>
           </a:p>
         </p:txBody>
@@ -17016,7 +17050,7 @@
               <a:pPr>
                 <a:defRPr/>
               </a:pPr>
-              <a:t>09.11.2017</a:t>
+              <a:t>10.11.2017</a:t>
             </a:fld>
             <a:endParaRPr lang="de-DE" dirty="0">
               <a:latin typeface="Arial" panose="020B0604020202020204" pitchFamily="34" charset="0"/>
@@ -17106,7 +17140,7 @@
         <p:spPr>
           <a:xfrm>
             <a:off x="0" y="5937584"/>
-            <a:ext cx="6793848" cy="313932"/>
+            <a:ext cx="5684569" cy="313932"/>
           </a:xfrm>
           <a:prstGeom prst="rect">
             <a:avLst/>
@@ -17125,7 +17159,7 @@
                   <a:srgbClr val="000000"/>
                 </a:solidFill>
               </a:rPr>
-              <a:t>Abbildung 7: </a:t>
+              <a:t>Quelle</a:t>
             </a:r>
             <a:r>
               <a:rPr lang="de-DE" sz="1800" u="none" dirty="0">
@@ -17133,7 +17167,7 @@
                   <a:srgbClr val="000000"/>
                 </a:solidFill>
               </a:rPr>
-              <a:t>Quelle: http://svnbook.red-bean.com/en/1.7/images/ch02dia4.png</a:t>
+              <a:t>: http://svnbook.red-bean.com/en/1.7/images/ch02dia4.png</a:t>
             </a:r>
           </a:p>
         </p:txBody>
@@ -17393,7 +17427,7 @@
               <a:pPr>
                 <a:defRPr/>
               </a:pPr>
-              <a:t>09.11.2017</a:t>
+              <a:t>10.11.2017</a:t>
             </a:fld>
             <a:endParaRPr lang="de-DE" dirty="0">
               <a:latin typeface="Arial" panose="020B0604020202020204" pitchFamily="34" charset="0"/>
@@ -17537,7 +17571,7 @@
         <p:spPr>
           <a:xfrm>
             <a:off x="0" y="5937584"/>
-            <a:ext cx="6793848" cy="313932"/>
+            <a:ext cx="5684569" cy="313932"/>
           </a:xfrm>
           <a:prstGeom prst="rect">
             <a:avLst/>
@@ -17552,14 +17586,6 @@
           <a:p>
             <a:r>
               <a:rPr lang="de-DE" sz="1800" u="none" dirty="0" smtClean="0">
-                <a:solidFill>
-                  <a:srgbClr val="000000"/>
-                </a:solidFill>
-              </a:rPr>
-              <a:t>Abbildung 8: </a:t>
-            </a:r>
-            <a:r>
-              <a:rPr lang="de-DE" sz="1800" u="none" dirty="0">
                 <a:solidFill>
                   <a:srgbClr val="000000"/>
                 </a:solidFill>
@@ -17702,16 +17728,7 @@
                 </a:solidFill>
                 <a:cs typeface="Arial" panose="020B0604020202020204" pitchFamily="34" charset="0"/>
               </a:rPr>
-              <a:t>Versionsverwaltung</a:t>
-            </a:r>
-            <a:r>
-              <a:rPr lang="de-DE" sz="2000" b="1" dirty="0" smtClean="0">
-                <a:solidFill>
-                  <a:srgbClr val="000000"/>
-                </a:solidFill>
-                <a:cs typeface="Arial" panose="020B0604020202020204" pitchFamily="34" charset="0"/>
-              </a:rPr>
-              <a:t>:</a:t>
+              <a:t>Versionsverwaltung:</a:t>
             </a:r>
             <a:endParaRPr lang="de-DE" sz="2000" b="1" dirty="0" smtClean="0">
               <a:solidFill>
@@ -17878,7 +17895,7 @@
               <a:pPr>
                 <a:defRPr/>
               </a:pPr>
-              <a:t>09.11.2017</a:t>
+              <a:t>10.11.2017</a:t>
             </a:fld>
             <a:endParaRPr lang="de-DE"/>
           </a:p>
@@ -18158,6 +18175,32 @@
               </a:rPr>
               <a:t>Eclipse</a:t>
             </a:r>
+            <a:endParaRPr lang="de-DE" sz="2000" dirty="0" smtClean="0">
+              <a:solidFill>
+                <a:srgbClr val="000000"/>
+              </a:solidFill>
+              <a:latin typeface="Arial" panose="020B0604020202020204" pitchFamily="34" charset="0"/>
+              <a:cs typeface="Arial" panose="020B0604020202020204" pitchFamily="34" charset="0"/>
+            </a:endParaRPr>
+          </a:p>
+          <a:p>
+            <a:pPr marL="457200" indent="-457200">
+              <a:lnSpc>
+                <a:spcPct val="200000"/>
+              </a:lnSpc>
+              <a:buFont typeface="+mj-lt"/>
+              <a:buAutoNum type="arabicPeriod"/>
+            </a:pPr>
+            <a:r>
+              <a:rPr lang="de-DE" sz="2000" dirty="0" smtClean="0">
+                <a:solidFill>
+                  <a:srgbClr val="000000"/>
+                </a:solidFill>
+                <a:latin typeface="Arial" panose="020B0604020202020204" pitchFamily="34" charset="0"/>
+                <a:cs typeface="Arial" panose="020B0604020202020204" pitchFamily="34" charset="0"/>
+              </a:rPr>
+              <a:t>Fragen</a:t>
+            </a:r>
             <a:endParaRPr lang="de-DE" sz="2000" dirty="0">
               <a:solidFill>
                 <a:srgbClr val="000000"/>
@@ -18199,7 +18242,7 @@
               <a:pPr>
                 <a:defRPr/>
               </a:pPr>
-              <a:t>09.11.2017</a:t>
+              <a:t>10.11.2017</a:t>
             </a:fld>
             <a:endParaRPr lang="de-DE" dirty="0">
               <a:latin typeface="Arial" panose="020B0604020202020204" pitchFamily="34" charset="0"/>
@@ -18602,7 +18645,7 @@
               <a:pPr>
                 <a:defRPr/>
               </a:pPr>
-              <a:t>09.11.2017</a:t>
+              <a:t>10.11.2017</a:t>
             </a:fld>
             <a:endParaRPr lang="de-DE" dirty="0">
               <a:latin typeface="Arial" panose="020B0604020202020204" pitchFamily="34" charset="0"/>
@@ -18902,6 +18945,32 @@
               </a:rPr>
               <a:t>Eclipse</a:t>
             </a:r>
+            <a:endParaRPr lang="de-DE" sz="2000" dirty="0" smtClean="0">
+              <a:solidFill>
+                <a:srgbClr val="000000"/>
+              </a:solidFill>
+              <a:latin typeface="Arial" panose="020B0604020202020204" pitchFamily="34" charset="0"/>
+              <a:cs typeface="Arial" panose="020B0604020202020204" pitchFamily="34" charset="0"/>
+            </a:endParaRPr>
+          </a:p>
+          <a:p>
+            <a:pPr marL="457200" indent="-457200">
+              <a:lnSpc>
+                <a:spcPct val="200000"/>
+              </a:lnSpc>
+              <a:buFont typeface="+mj-lt"/>
+              <a:buAutoNum type="arabicPeriod"/>
+            </a:pPr>
+            <a:r>
+              <a:rPr lang="de-DE" sz="2000" dirty="0" smtClean="0">
+                <a:solidFill>
+                  <a:srgbClr val="000000"/>
+                </a:solidFill>
+                <a:latin typeface="Arial" panose="020B0604020202020204" pitchFamily="34" charset="0"/>
+                <a:cs typeface="Arial" panose="020B0604020202020204" pitchFamily="34" charset="0"/>
+              </a:rPr>
+              <a:t>Fragen</a:t>
+            </a:r>
             <a:endParaRPr lang="de-DE" sz="2000" dirty="0">
               <a:solidFill>
                 <a:srgbClr val="000000"/>
@@ -18943,7 +19012,7 @@
               <a:pPr>
                 <a:defRPr/>
               </a:pPr>
-              <a:t>09.11.2017</a:t>
+              <a:t>10.11.2017</a:t>
             </a:fld>
             <a:endParaRPr lang="de-DE" dirty="0">
               <a:latin typeface="Arial" panose="020B0604020202020204" pitchFamily="34" charset="0"/>
@@ -19214,7 +19283,7 @@
               <a:pPr>
                 <a:defRPr/>
               </a:pPr>
-              <a:t>09.11.2017</a:t>
+              <a:t>10.11.2017</a:t>
             </a:fld>
             <a:endParaRPr lang="de-DE" dirty="0">
               <a:latin typeface="Arial" panose="020B0604020202020204" pitchFamily="34" charset="0"/>
@@ -19334,7 +19403,7 @@
         <p:spPr>
           <a:xfrm>
             <a:off x="12723" y="6008338"/>
-            <a:ext cx="5957080" cy="313932"/>
+            <a:ext cx="4847802" cy="313932"/>
           </a:xfrm>
           <a:prstGeom prst="rect">
             <a:avLst/>
@@ -19353,7 +19422,7 @@
                   <a:srgbClr val="000000"/>
                 </a:solidFill>
               </a:rPr>
-              <a:t>Abbildung 9: </a:t>
+              <a:t>Quelle</a:t>
             </a:r>
             <a:r>
               <a:rPr lang="de-DE" sz="1800" u="none" dirty="0">
@@ -19361,7 +19430,7 @@
                   <a:srgbClr val="000000"/>
                 </a:solidFill>
               </a:rPr>
-              <a:t>Quelle: https://git-scm.com/figures/18333fig0104-tn.png</a:t>
+              <a:t>: https://git-scm.com/figures/18333fig0104-tn.png</a:t>
             </a:r>
           </a:p>
         </p:txBody>
@@ -19584,7 +19653,7 @@
               <a:pPr>
                 <a:defRPr/>
               </a:pPr>
-              <a:t>09.11.2017</a:t>
+              <a:t>10.11.2017</a:t>
             </a:fld>
             <a:endParaRPr lang="de-DE" dirty="0">
               <a:latin typeface="Arial" panose="020B0604020202020204" pitchFamily="34" charset="0"/>
@@ -19728,7 +19797,7 @@
         <p:spPr>
           <a:xfrm>
             <a:off x="107504" y="5961335"/>
-            <a:ext cx="6062878" cy="313932"/>
+            <a:ext cx="4847802" cy="313932"/>
           </a:xfrm>
           <a:prstGeom prst="rect">
             <a:avLst/>
@@ -19747,7 +19816,7 @@
                   <a:srgbClr val="000000"/>
                 </a:solidFill>
               </a:rPr>
-              <a:t>Abbildung 10: </a:t>
+              <a:t>Quelle</a:t>
             </a:r>
             <a:r>
               <a:rPr lang="de-DE" sz="1800" u="none" dirty="0">
@@ -19755,7 +19824,7 @@
                   <a:srgbClr val="000000"/>
                 </a:solidFill>
               </a:rPr>
-              <a:t>Quelle: https://git-scm.com/figures/18333fig0105-tn.png</a:t>
+              <a:t>: https://git-scm.com/figures/18333fig0105-tn.png</a:t>
             </a:r>
           </a:p>
         </p:txBody>
@@ -19871,7 +19940,7 @@
               <a:pPr>
                 <a:defRPr/>
               </a:pPr>
-              <a:t>09.11.2017</a:t>
+              <a:t>10.11.2017</a:t>
             </a:fld>
             <a:endParaRPr lang="de-DE" dirty="0">
               <a:latin typeface="Arial" panose="020B0604020202020204" pitchFamily="34" charset="0"/>
@@ -20153,7 +20222,7 @@
         <p:spPr>
           <a:xfrm>
             <a:off x="-108520" y="5977103"/>
-            <a:ext cx="9369360" cy="264688"/>
+            <a:ext cx="8428398" cy="264688"/>
           </a:xfrm>
           <a:prstGeom prst="rect">
             <a:avLst/>
@@ -20172,7 +20241,7 @@
                   <a:srgbClr val="000000"/>
                 </a:solidFill>
               </a:rPr>
-              <a:t>Abbildung 12: </a:t>
+              <a:t>Quelle</a:t>
             </a:r>
             <a:r>
               <a:rPr lang="de-DE" sz="1400" u="none" dirty="0">
@@ -20180,7 +20249,7 @@
                   <a:srgbClr val="000000"/>
                 </a:solidFill>
               </a:rPr>
-              <a:t>Quelle: https://encrypted-tbn0.gstatic.com/images?q=tbn:ANd9GcTu4EYHJS2ICDc9MlcyzE8p9VBrDyteqaixfl58dDsseSfcwrbP</a:t>
+              <a:t>: https://encrypted-tbn0.gstatic.com/images?q=tbn:ANd9GcTu4EYHJS2ICDc9MlcyzE8p9VBrDyteqaixfl58dDsseSfcwrbP</a:t>
             </a:r>
           </a:p>
         </p:txBody>
@@ -20299,7 +20368,7 @@
               <a:pPr>
                 <a:defRPr/>
               </a:pPr>
-              <a:t>09.11.2017</a:t>
+              <a:t>10.11.2017</a:t>
             </a:fld>
             <a:endParaRPr lang="de-DE" dirty="0">
               <a:latin typeface="Arial" panose="020B0604020202020204" pitchFamily="34" charset="0"/>
@@ -20679,7 +20748,7 @@
         <p:spPr>
           <a:xfrm>
             <a:off x="107504" y="6021288"/>
-            <a:ext cx="6389891" cy="313932"/>
+            <a:ext cx="5174815" cy="313932"/>
           </a:xfrm>
           <a:prstGeom prst="rect">
             <a:avLst/>
@@ -20698,7 +20767,7 @@
                   <a:srgbClr val="000000"/>
                 </a:solidFill>
               </a:rPr>
-              <a:t>Abbildung 13: </a:t>
+              <a:t>Quelle</a:t>
             </a:r>
             <a:r>
               <a:rPr lang="de-DE" sz="1800" u="none" dirty="0">
@@ -20706,7 +20775,7 @@
                   <a:srgbClr val="000000"/>
                 </a:solidFill>
               </a:rPr>
-              <a:t>Quelle: https://mohithg.files.wordpress.com/2016/01/git.png</a:t>
+              <a:t>: https://mohithg.files.wordpress.com/2016/01/git.png</a:t>
             </a:r>
           </a:p>
         </p:txBody>
@@ -20874,7 +20943,7 @@
               <a:pPr>
                 <a:defRPr/>
               </a:pPr>
-              <a:t>09.11.2017</a:t>
+              <a:t>10.11.2017</a:t>
             </a:fld>
             <a:endParaRPr lang="de-DE" dirty="0">
               <a:latin typeface="Arial" panose="020B0604020202020204" pitchFamily="34" charset="0"/>
@@ -21047,7 +21116,7 @@
         <p:spPr>
           <a:xfrm>
             <a:off x="107504" y="6021288"/>
-            <a:ext cx="8037008" cy="313932"/>
+            <a:ext cx="6821932" cy="313932"/>
           </a:xfrm>
           <a:prstGeom prst="rect">
             <a:avLst/>
@@ -21066,7 +21135,7 @@
                   <a:srgbClr val="000000"/>
                 </a:solidFill>
               </a:rPr>
-              <a:t>Abbildung 14: </a:t>
+              <a:t>Quelle</a:t>
             </a:r>
             <a:r>
               <a:rPr lang="de-DE" sz="1800" u="none" dirty="0">
@@ -21074,7 +21143,7 @@
                   <a:srgbClr val="000000"/>
                 </a:solidFill>
               </a:rPr>
-              <a:t>Quelle: https://chadthompson.me/wp-content/uploads/2012/12/git-workflow.png</a:t>
+              <a:t>: https://chadthompson.me/wp-content/uploads/2012/12/git-workflow.png</a:t>
             </a:r>
           </a:p>
         </p:txBody>
@@ -21323,7 +21392,7 @@
               <a:pPr>
                 <a:defRPr/>
               </a:pPr>
-              <a:t>09.11.2017</a:t>
+              <a:t>10.11.2017</a:t>
             </a:fld>
             <a:endParaRPr lang="de-DE" dirty="0">
               <a:latin typeface="Arial" panose="020B0604020202020204" pitchFamily="34" charset="0"/>
@@ -21593,8 +21662,8 @@
         </p:nvSpPr>
         <p:spPr>
           <a:xfrm>
-            <a:off x="0" y="6008338"/>
-            <a:ext cx="8479181" cy="313932"/>
+            <a:off x="0" y="5972136"/>
+            <a:ext cx="7264104" cy="313932"/>
           </a:xfrm>
           <a:prstGeom prst="rect">
             <a:avLst/>
@@ -21613,7 +21682,7 @@
                   <a:srgbClr val="000000"/>
                 </a:solidFill>
               </a:rPr>
-              <a:t>Abbildung 15</a:t>
+              <a:t>Quelle</a:t>
             </a:r>
             <a:r>
               <a:rPr lang="de-DE" sz="1800" u="none" dirty="0">
@@ -21621,7 +21690,7 @@
                   <a:srgbClr val="000000"/>
                 </a:solidFill>
               </a:rPr>
-              <a:t>: Quelle: https://kanbanize.com/blog/wp-content/uploads/2014/11/GitHub-300x175.jpg</a:t>
+              <a:t>: https://kanbanize.com/blog/wp-content/uploads/2014/11/GitHub-300x175.jpg</a:t>
             </a:r>
           </a:p>
         </p:txBody>
@@ -21740,7 +21809,7 @@
               <a:pPr>
                 <a:defRPr/>
               </a:pPr>
-              <a:t>09.11.2017</a:t>
+              <a:t>10.11.2017</a:t>
             </a:fld>
             <a:endParaRPr lang="de-DE" dirty="0">
               <a:latin typeface="Arial" panose="020B0604020202020204" pitchFamily="34" charset="0"/>
@@ -21989,7 +22058,7 @@
               <a:pPr>
                 <a:defRPr/>
               </a:pPr>
-              <a:t>09.11.2017</a:t>
+              <a:t>10.11.2017</a:t>
             </a:fld>
             <a:endParaRPr lang="de-DE" dirty="0">
               <a:latin typeface="Arial" panose="020B0604020202020204" pitchFamily="34" charset="0"/>
@@ -22238,7 +22307,7 @@
               <a:pPr>
                 <a:defRPr/>
               </a:pPr>
-              <a:t>09.11.2017</a:t>
+              <a:t>10.11.2017</a:t>
             </a:fld>
             <a:endParaRPr lang="de-DE" dirty="0">
               <a:latin typeface="Arial" panose="020B0604020202020204" pitchFamily="34" charset="0"/>
@@ -22515,7 +22584,7 @@
               <a:pPr>
                 <a:defRPr/>
               </a:pPr>
-              <a:t>09.11.2017</a:t>
+              <a:t>10.11.2017</a:t>
             </a:fld>
             <a:endParaRPr lang="de-DE" dirty="0">
               <a:latin typeface="Arial" panose="020B0604020202020204" pitchFamily="34" charset="0"/>
@@ -22938,7 +23007,7 @@
               <a:pPr>
                 <a:defRPr/>
               </a:pPr>
-              <a:t>09.11.2017</a:t>
+              <a:t>10.11.2017</a:t>
             </a:fld>
             <a:endParaRPr lang="de-DE" dirty="0">
               <a:latin typeface="Arial" panose="020B0604020202020204" pitchFamily="34" charset="0"/>
@@ -23133,7 +23202,7 @@
               <a:pPr>
                 <a:defRPr/>
               </a:pPr>
-              <a:t>09.11.2017</a:t>
+              <a:t>10.11.2017</a:t>
             </a:fld>
             <a:endParaRPr lang="de-DE" dirty="0">
               <a:latin typeface="Arial" panose="020B0604020202020204" pitchFamily="34" charset="0"/>
@@ -23515,7 +23584,7 @@
               </a:rPr>
               <a:t>Eclipse</a:t>
             </a:r>
-            <a:endParaRPr lang="de-DE" sz="2000" b="1" dirty="0">
+            <a:endParaRPr lang="de-DE" sz="2000" b="1" dirty="0" smtClean="0">
               <a:solidFill>
                 <a:srgbClr val="000000"/>
               </a:solidFill>
@@ -23523,6 +23592,32 @@
               <a:cs typeface="Arial" panose="020B0604020202020204" pitchFamily="34" charset="0"/>
             </a:endParaRPr>
           </a:p>
+          <a:p>
+            <a:pPr marL="457200" indent="-457200">
+              <a:lnSpc>
+                <a:spcPct val="200000"/>
+              </a:lnSpc>
+              <a:buFont typeface="+mj-lt"/>
+              <a:buAutoNum type="arabicPeriod"/>
+            </a:pPr>
+            <a:r>
+              <a:rPr lang="de-DE" sz="2000" dirty="0" smtClean="0">
+                <a:solidFill>
+                  <a:srgbClr val="000000"/>
+                </a:solidFill>
+                <a:latin typeface="Arial" panose="020B0604020202020204" pitchFamily="34" charset="0"/>
+                <a:cs typeface="Arial" panose="020B0604020202020204" pitchFamily="34" charset="0"/>
+              </a:rPr>
+              <a:t>Fragen</a:t>
+            </a:r>
+            <a:endParaRPr lang="de-DE" sz="2000" dirty="0">
+              <a:solidFill>
+                <a:srgbClr val="000000"/>
+              </a:solidFill>
+              <a:latin typeface="Arial" panose="020B0604020202020204" pitchFamily="34" charset="0"/>
+              <a:cs typeface="Arial" panose="020B0604020202020204" pitchFamily="34" charset="0"/>
+            </a:endParaRPr>
+          </a:p>
         </p:txBody>
       </p:sp>
       <p:sp>
@@ -23556,7 +23651,7 @@
               <a:pPr>
                 <a:defRPr/>
               </a:pPr>
-              <a:t>09.11.2017</a:t>
+              <a:t>10.11.2017</a:t>
             </a:fld>
             <a:endParaRPr lang="de-DE" dirty="0">
               <a:latin typeface="Arial" panose="020B0604020202020204" pitchFamily="34" charset="0"/>
@@ -23785,7 +23880,7 @@
               <a:pPr>
                 <a:defRPr/>
               </a:pPr>
-              <a:t>09.11.2017</a:t>
+              <a:t>10.11.2017</a:t>
             </a:fld>
             <a:endParaRPr lang="de-DE" dirty="0">
               <a:latin typeface="Arial" panose="020B0604020202020204" pitchFamily="34" charset="0"/>
@@ -24229,12 +24324,6 @@
               </a:rPr>
               <a:t> ein</a:t>
             </a:r>
-            <a:endParaRPr lang="de-DE" sz="2000" b="1" dirty="0" smtClean="0">
-              <a:solidFill>
-                <a:srgbClr val="000000"/>
-              </a:solidFill>
-              <a:sym typeface="Wingdings" panose="05000000000000000000" pitchFamily="2" charset="2"/>
-            </a:endParaRPr>
           </a:p>
         </p:txBody>
       </p:sp>
@@ -24386,7 +24475,7 @@
               <a:pPr>
                 <a:defRPr/>
               </a:pPr>
-              <a:t>09.11.2017</a:t>
+              <a:t>10.11.2017</a:t>
             </a:fld>
             <a:endParaRPr lang="de-DE" dirty="0">
               <a:latin typeface="Arial" panose="020B0604020202020204" pitchFamily="34" charset="0"/>
@@ -24686,7 +24775,7 @@
               <a:pPr>
                 <a:defRPr/>
               </a:pPr>
-              <a:t>09.11.2017</a:t>
+              <a:t>10.11.2017</a:t>
             </a:fld>
             <a:endParaRPr lang="de-DE" dirty="0">
               <a:latin typeface="Arial" panose="020B0604020202020204" pitchFamily="34" charset="0"/>
@@ -24986,7 +25075,7 @@
               <a:pPr>
                 <a:defRPr/>
               </a:pPr>
-              <a:t>09.11.2017</a:t>
+              <a:t>10.11.2017</a:t>
             </a:fld>
             <a:endParaRPr lang="de-DE" dirty="0">
               <a:latin typeface="Arial" panose="020B0604020202020204" pitchFamily="34" charset="0"/>
@@ -25286,7 +25375,7 @@
               <a:pPr>
                 <a:defRPr/>
               </a:pPr>
-              <a:t>09.11.2017</a:t>
+              <a:t>10.11.2017</a:t>
             </a:fld>
             <a:endParaRPr lang="de-DE" dirty="0">
               <a:latin typeface="Arial" panose="020B0604020202020204" pitchFamily="34" charset="0"/>
@@ -25536,7 +25625,7 @@
               <a:pPr>
                 <a:defRPr/>
               </a:pPr>
-              <a:t>09.11.2017</a:t>
+              <a:t>10.11.2017</a:t>
             </a:fld>
             <a:endParaRPr lang="de-DE" dirty="0">
               <a:latin typeface="Arial" panose="020B0604020202020204" pitchFamily="34" charset="0"/>
@@ -25786,7 +25875,7 @@
               <a:pPr>
                 <a:defRPr/>
               </a:pPr>
-              <a:t>09.11.2017</a:t>
+              <a:t>10.11.2017</a:t>
             </a:fld>
             <a:endParaRPr lang="de-DE" dirty="0">
               <a:latin typeface="Arial" panose="020B0604020202020204" pitchFamily="34" charset="0"/>
@@ -26021,7 +26110,7 @@
               <a:pPr>
                 <a:defRPr/>
               </a:pPr>
-              <a:t>09.11.2017</a:t>
+              <a:t>10.11.2017</a:t>
             </a:fld>
             <a:endParaRPr lang="de-DE" dirty="0">
               <a:latin typeface="Arial" panose="020B0604020202020204" pitchFamily="34" charset="0"/>
@@ -26349,23 +26438,8 @@
                 </a:solidFill>
                 <a:cs typeface="Arial" panose="020B0604020202020204" pitchFamily="34" charset="0"/>
               </a:rPr>
-              <a:t>Handhabung und Abgabe erfolgt über </a:t>
-            </a:r>
-            <a:r>
-              <a:rPr lang="de-DE" sz="2000" dirty="0" smtClean="0">
-                <a:solidFill>
-                  <a:srgbClr val="000000"/>
-                </a:solidFill>
-                <a:cs typeface="Arial" panose="020B0604020202020204" pitchFamily="34" charset="0"/>
-              </a:rPr>
-              <a:t>Dropbox</a:t>
-            </a:r>
-            <a:endParaRPr lang="de-DE" sz="2000" dirty="0" smtClean="0">
-              <a:solidFill>
-                <a:srgbClr val="000000"/>
-              </a:solidFill>
-              <a:cs typeface="Arial" panose="020B0604020202020204" pitchFamily="34" charset="0"/>
-            </a:endParaRPr>
+              <a:t>Handhabung und Abgabe erfolgt über Dropbox</a:t>
+            </a:r>
           </a:p>
         </p:txBody>
       </p:sp>
@@ -26400,7 +26474,7 @@
               <a:pPr>
                 <a:defRPr/>
               </a:pPr>
-              <a:t>09.11.2017</a:t>
+              <a:t>10.11.2017</a:t>
             </a:fld>
             <a:endParaRPr lang="de-DE" dirty="0">
               <a:latin typeface="Arial" panose="020B0604020202020204" pitchFamily="34" charset="0"/>
@@ -26579,7 +26653,7 @@
               <a:pPr>
                 <a:defRPr/>
               </a:pPr>
-              <a:t>09.11.2017</a:t>
+              <a:t>10.11.2017</a:t>
             </a:fld>
             <a:endParaRPr lang="de-DE" dirty="0">
               <a:latin typeface="Arial" panose="020B0604020202020204" pitchFamily="34" charset="0"/>
@@ -26829,7 +26903,7 @@
               <a:pPr>
                 <a:defRPr/>
               </a:pPr>
-              <a:t>09.11.2017</a:t>
+              <a:t>10.11.2017</a:t>
             </a:fld>
             <a:endParaRPr lang="de-DE" dirty="0">
               <a:latin typeface="Arial" panose="020B0604020202020204" pitchFamily="34" charset="0"/>
@@ -27022,6 +27096,224 @@
       </p:grpSpPr>
       <p:sp>
         <p:nvSpPr>
+          <p:cNvPr id="2" name="Titel 1"/>
+          <p:cNvSpPr>
+            <a:spLocks noGrp="1"/>
+          </p:cNvSpPr>
+          <p:nvPr>
+            <p:ph type="title"/>
+          </p:nvPr>
+        </p:nvSpPr>
+        <p:spPr/>
+        <p:txBody>
+          <a:bodyPr/>
+          <a:lstStyle/>
+          <a:p>
+            <a:pPr algn="ctr"/>
+            <a:r>
+              <a:rPr lang="de-DE" sz="3000" dirty="0" smtClean="0">
+                <a:solidFill>
+                  <a:srgbClr val="000000"/>
+                </a:solidFill>
+                <a:latin typeface="Arial" panose="020B0604020202020204" pitchFamily="34" charset="0"/>
+                <a:cs typeface="Arial" panose="020B0604020202020204" pitchFamily="34" charset="0"/>
+              </a:rPr>
+              <a:t>Agenda</a:t>
+            </a:r>
+            <a:endParaRPr lang="de-DE" sz="3000" dirty="0">
+              <a:solidFill>
+                <a:srgbClr val="000000"/>
+              </a:solidFill>
+              <a:latin typeface="Arial" panose="020B0604020202020204" pitchFamily="34" charset="0"/>
+              <a:cs typeface="Arial" panose="020B0604020202020204" pitchFamily="34" charset="0"/>
+            </a:endParaRPr>
+          </a:p>
+        </p:txBody>
+      </p:sp>
+      <p:sp>
+        <p:nvSpPr>
+          <p:cNvPr id="3" name="Inhaltsplatzhalter 2"/>
+          <p:cNvSpPr>
+            <a:spLocks noGrp="1"/>
+          </p:cNvSpPr>
+          <p:nvPr>
+            <p:ph idx="1"/>
+          </p:nvPr>
+        </p:nvSpPr>
+        <p:spPr/>
+        <p:txBody>
+          <a:bodyPr/>
+          <a:lstStyle/>
+          <a:p>
+            <a:pPr marL="457200" indent="-457200">
+              <a:lnSpc>
+                <a:spcPct val="200000"/>
+              </a:lnSpc>
+              <a:buFont typeface="+mj-lt"/>
+              <a:buAutoNum type="arabicPeriod"/>
+            </a:pPr>
+            <a:r>
+              <a:rPr lang="de-DE" sz="2000" dirty="0" smtClean="0">
+                <a:solidFill>
+                  <a:srgbClr val="000000"/>
+                </a:solidFill>
+                <a:latin typeface="Arial" panose="020B0604020202020204" pitchFamily="34" charset="0"/>
+                <a:cs typeface="Arial" panose="020B0604020202020204" pitchFamily="34" charset="0"/>
+              </a:rPr>
+              <a:t>Ausgangssituation und Zielsetzung</a:t>
+            </a:r>
+          </a:p>
+          <a:p>
+            <a:pPr marL="457200" indent="-457200">
+              <a:lnSpc>
+                <a:spcPct val="200000"/>
+              </a:lnSpc>
+              <a:buFont typeface="+mj-lt"/>
+              <a:buAutoNum type="arabicPeriod"/>
+            </a:pPr>
+            <a:r>
+              <a:rPr lang="de-DE" sz="2000" dirty="0">
+                <a:solidFill>
+                  <a:srgbClr val="000000"/>
+                </a:solidFill>
+                <a:latin typeface="Arial" panose="020B0604020202020204" pitchFamily="34" charset="0"/>
+                <a:cs typeface="Arial" panose="020B0604020202020204" pitchFamily="34" charset="0"/>
+              </a:rPr>
+              <a:t>Wichtige Begriffe und Grundlagen</a:t>
+            </a:r>
+          </a:p>
+          <a:p>
+            <a:pPr marL="457200" indent="-457200">
+              <a:lnSpc>
+                <a:spcPct val="200000"/>
+              </a:lnSpc>
+              <a:buFont typeface="+mj-lt"/>
+              <a:buAutoNum type="arabicPeriod"/>
+            </a:pPr>
+            <a:r>
+              <a:rPr lang="de-DE" sz="2000" dirty="0">
+                <a:solidFill>
+                  <a:srgbClr val="000000"/>
+                </a:solidFill>
+                <a:latin typeface="Arial" panose="020B0604020202020204" pitchFamily="34" charset="0"/>
+                <a:cs typeface="Arial" panose="020B0604020202020204" pitchFamily="34" charset="0"/>
+              </a:rPr>
+              <a:t>Verteilte Versionskontrolle mit </a:t>
+            </a:r>
+            <a:r>
+              <a:rPr lang="de-DE" sz="2000" dirty="0" err="1">
+                <a:solidFill>
+                  <a:srgbClr val="000000"/>
+                </a:solidFill>
+                <a:latin typeface="Arial" panose="020B0604020202020204" pitchFamily="34" charset="0"/>
+                <a:cs typeface="Arial" panose="020B0604020202020204" pitchFamily="34" charset="0"/>
+              </a:rPr>
+              <a:t>Git</a:t>
+            </a:r>
+            <a:endParaRPr lang="de-DE" sz="2000" dirty="0">
+              <a:solidFill>
+                <a:srgbClr val="000000"/>
+              </a:solidFill>
+              <a:latin typeface="Arial" panose="020B0604020202020204" pitchFamily="34" charset="0"/>
+              <a:cs typeface="Arial" panose="020B0604020202020204" pitchFamily="34" charset="0"/>
+            </a:endParaRPr>
+          </a:p>
+          <a:p>
+            <a:pPr marL="457200" indent="-457200">
+              <a:lnSpc>
+                <a:spcPct val="200000"/>
+              </a:lnSpc>
+              <a:buFont typeface="+mj-lt"/>
+              <a:buAutoNum type="arabicPeriod"/>
+            </a:pPr>
+            <a:r>
+              <a:rPr lang="de-DE" sz="2000" dirty="0" err="1" smtClean="0">
+                <a:solidFill>
+                  <a:srgbClr val="000000"/>
+                </a:solidFill>
+                <a:latin typeface="Arial" panose="020B0604020202020204" pitchFamily="34" charset="0"/>
+                <a:cs typeface="Arial" panose="020B0604020202020204" pitchFamily="34" charset="0"/>
+              </a:rPr>
+              <a:t>Git</a:t>
+            </a:r>
+            <a:r>
+              <a:rPr lang="de-DE" sz="2000" dirty="0" smtClean="0">
+                <a:solidFill>
+                  <a:srgbClr val="000000"/>
+                </a:solidFill>
+                <a:latin typeface="Arial" panose="020B0604020202020204" pitchFamily="34" charset="0"/>
+                <a:cs typeface="Arial" panose="020B0604020202020204" pitchFamily="34" charset="0"/>
+              </a:rPr>
+              <a:t> Plug-In </a:t>
+            </a:r>
+            <a:r>
+              <a:rPr lang="de-DE" sz="2000" dirty="0" err="1" smtClean="0">
+                <a:solidFill>
+                  <a:srgbClr val="000000"/>
+                </a:solidFill>
+                <a:latin typeface="Arial" panose="020B0604020202020204" pitchFamily="34" charset="0"/>
+                <a:cs typeface="Arial" panose="020B0604020202020204" pitchFamily="34" charset="0"/>
+              </a:rPr>
+              <a:t>EGit</a:t>
+            </a:r>
+            <a:r>
+              <a:rPr lang="de-DE" sz="2000" dirty="0" smtClean="0">
+                <a:solidFill>
+                  <a:srgbClr val="000000"/>
+                </a:solidFill>
+                <a:latin typeface="Arial" panose="020B0604020202020204" pitchFamily="34" charset="0"/>
+                <a:cs typeface="Arial" panose="020B0604020202020204" pitchFamily="34" charset="0"/>
+              </a:rPr>
+              <a:t> für </a:t>
+            </a:r>
+            <a:r>
+              <a:rPr lang="de-DE" sz="2000" dirty="0" err="1" smtClean="0">
+                <a:solidFill>
+                  <a:srgbClr val="000000"/>
+                </a:solidFill>
+                <a:latin typeface="Arial" panose="020B0604020202020204" pitchFamily="34" charset="0"/>
+                <a:cs typeface="Arial" panose="020B0604020202020204" pitchFamily="34" charset="0"/>
+              </a:rPr>
+              <a:t>Eclipse</a:t>
+            </a:r>
+            <a:endParaRPr lang="de-DE" sz="2000" dirty="0" smtClean="0">
+              <a:solidFill>
+                <a:srgbClr val="000000"/>
+              </a:solidFill>
+              <a:latin typeface="Arial" panose="020B0604020202020204" pitchFamily="34" charset="0"/>
+              <a:cs typeface="Arial" panose="020B0604020202020204" pitchFamily="34" charset="0"/>
+            </a:endParaRPr>
+          </a:p>
+          <a:p>
+            <a:pPr marL="457200" indent="-457200">
+              <a:lnSpc>
+                <a:spcPct val="200000"/>
+              </a:lnSpc>
+              <a:buFont typeface="+mj-lt"/>
+              <a:buAutoNum type="arabicPeriod"/>
+            </a:pPr>
+            <a:r>
+              <a:rPr lang="de-DE" sz="2000" b="1" dirty="0" smtClean="0">
+                <a:solidFill>
+                  <a:srgbClr val="000000"/>
+                </a:solidFill>
+                <a:latin typeface="Arial" panose="020B0604020202020204" pitchFamily="34" charset="0"/>
+                <a:cs typeface="Arial" panose="020B0604020202020204" pitchFamily="34" charset="0"/>
+              </a:rPr>
+              <a:t>Fragen</a:t>
+            </a:r>
+            <a:endParaRPr lang="de-DE" sz="2000" b="1" dirty="0">
+              <a:solidFill>
+                <a:srgbClr val="000000"/>
+              </a:solidFill>
+              <a:latin typeface="Arial" panose="020B0604020202020204" pitchFamily="34" charset="0"/>
+              <a:cs typeface="Arial" panose="020B0604020202020204" pitchFamily="34" charset="0"/>
+            </a:endParaRPr>
+          </a:p>
+        </p:txBody>
+      </p:sp>
+      <p:sp>
+        <p:nvSpPr>
           <p:cNvPr id="4" name="Datumsplatzhalter 3"/>
           <p:cNvSpPr>
             <a:spLocks noGrp="1"/>
@@ -27032,8 +27324,8 @@
         </p:nvSpPr>
         <p:spPr>
           <a:xfrm>
-            <a:off x="7164288" y="6381328"/>
-            <a:ext cx="1368525" cy="362372"/>
+            <a:off x="7524328" y="6378575"/>
+            <a:ext cx="1008485" cy="365125"/>
           </a:xfrm>
         </p:spPr>
         <p:txBody>
@@ -27051,7 +27343,7 @@
               <a:pPr>
                 <a:defRPr/>
               </a:pPr>
-              <a:t>09.11.2017</a:t>
+              <a:t>10.11.2017</a:t>
             </a:fld>
             <a:endParaRPr lang="de-DE" dirty="0">
               <a:latin typeface="Arial" panose="020B0604020202020204" pitchFamily="34" charset="0"/>
@@ -27102,7 +27394,12 @@
             <p:ph type="sldNum" sz="quarter" idx="12"/>
           </p:nvPr>
         </p:nvSpPr>
-        <p:spPr/>
+        <p:spPr>
+          <a:xfrm>
+            <a:off x="8676456" y="6021288"/>
+            <a:ext cx="359842" cy="264566"/>
+          </a:xfrm>
+        </p:spPr>
         <p:txBody>
           <a:bodyPr/>
           <a:lstStyle/>
@@ -27127,51 +27424,10 @@
           </a:p>
         </p:txBody>
       </p:sp>
-      <p:sp>
-        <p:nvSpPr>
-          <p:cNvPr id="3" name="Inhaltsplatzhalter 2"/>
-          <p:cNvSpPr>
-            <a:spLocks noGrp="1"/>
-          </p:cNvSpPr>
-          <p:nvPr>
-            <p:ph idx="4294967295"/>
-          </p:nvPr>
-        </p:nvSpPr>
-        <p:spPr>
-          <a:xfrm>
-            <a:off x="1979712" y="3356992"/>
-            <a:ext cx="4104455" cy="720080"/>
-          </a:xfrm>
-        </p:spPr>
-        <p:txBody>
-          <a:bodyPr/>
-          <a:lstStyle/>
-          <a:p>
-            <a:pPr marL="0" indent="0" algn="ctr">
-              <a:buNone/>
-            </a:pPr>
-            <a:r>
-              <a:rPr lang="de-DE" sz="4000" dirty="0" smtClean="0">
-                <a:solidFill>
-                  <a:schemeClr val="bg1"/>
-                </a:solidFill>
-                <a:latin typeface="Arial Black" panose="020B0A04020102020204" pitchFamily="34" charset="0"/>
-              </a:rPr>
-              <a:t>Noch Fragen ?</a:t>
-            </a:r>
-            <a:endParaRPr lang="de-DE" sz="4000" dirty="0">
-              <a:solidFill>
-                <a:schemeClr val="bg1"/>
-              </a:solidFill>
-              <a:latin typeface="Arial Black" panose="020B0A04020102020204" pitchFamily="34" charset="0"/>
-            </a:endParaRPr>
-          </a:p>
-        </p:txBody>
-      </p:sp>
     </p:spTree>
     <p:extLst>
       <p:ext uri="{BB962C8B-B14F-4D97-AF65-F5344CB8AC3E}">
-        <p14:creationId xmlns:p14="http://schemas.microsoft.com/office/powerpoint/2010/main" val="2713362683"/>
+        <p14:creationId xmlns:p14="http://schemas.microsoft.com/office/powerpoint/2010/main" val="4285240686"/>
       </p:ext>
     </p:extLst>
   </p:cSld>
@@ -27207,6 +27463,191 @@
       </p:grpSpPr>
       <p:sp>
         <p:nvSpPr>
+          <p:cNvPr id="4" name="Datumsplatzhalter 3"/>
+          <p:cNvSpPr>
+            <a:spLocks noGrp="1"/>
+          </p:cNvSpPr>
+          <p:nvPr>
+            <p:ph type="dt" sz="half" idx="10"/>
+          </p:nvPr>
+        </p:nvSpPr>
+        <p:spPr>
+          <a:xfrm>
+            <a:off x="7164288" y="6381328"/>
+            <a:ext cx="1368525" cy="362372"/>
+          </a:xfrm>
+        </p:spPr>
+        <p:txBody>
+          <a:bodyPr/>
+          <a:lstStyle/>
+          <a:p>
+            <a:pPr>
+              <a:defRPr/>
+            </a:pPr>
+            <a:fld id="{DBEF86A1-9947-4356-AD39-493A2BF305E6}" type="datetime1">
+              <a:rPr lang="de-DE" smtClean="0">
+                <a:latin typeface="Arial" panose="020B0604020202020204" pitchFamily="34" charset="0"/>
+                <a:cs typeface="Arial" panose="020B0604020202020204" pitchFamily="34" charset="0"/>
+              </a:rPr>
+              <a:pPr>
+                <a:defRPr/>
+              </a:pPr>
+              <a:t>10.11.2017</a:t>
+            </a:fld>
+            <a:endParaRPr lang="de-DE" dirty="0">
+              <a:latin typeface="Arial" panose="020B0604020202020204" pitchFamily="34" charset="0"/>
+              <a:cs typeface="Arial" panose="020B0604020202020204" pitchFamily="34" charset="0"/>
+            </a:endParaRPr>
+          </a:p>
+        </p:txBody>
+      </p:sp>
+      <p:sp>
+        <p:nvSpPr>
+          <p:cNvPr id="5" name="Fußzeilenplatzhalter 4"/>
+          <p:cNvSpPr>
+            <a:spLocks noGrp="1"/>
+          </p:cNvSpPr>
+          <p:nvPr>
+            <p:ph type="ftr" sz="quarter" idx="11"/>
+          </p:nvPr>
+        </p:nvSpPr>
+        <p:spPr/>
+        <p:txBody>
+          <a:bodyPr/>
+          <a:lstStyle/>
+          <a:p>
+            <a:pPr>
+              <a:defRPr/>
+            </a:pPr>
+            <a:r>
+              <a:rPr lang="de-DE" dirty="0" smtClean="0">
+                <a:latin typeface="Arial" panose="020B0604020202020204" pitchFamily="34" charset="0"/>
+                <a:cs typeface="Arial" panose="020B0604020202020204" pitchFamily="34" charset="0"/>
+              </a:rPr>
+              <a:t>Hochschule Furtwangen</a:t>
+            </a:r>
+            <a:endParaRPr lang="de-DE" dirty="0">
+              <a:latin typeface="Arial" panose="020B0604020202020204" pitchFamily="34" charset="0"/>
+              <a:cs typeface="Arial" panose="020B0604020202020204" pitchFamily="34" charset="0"/>
+            </a:endParaRPr>
+          </a:p>
+        </p:txBody>
+      </p:sp>
+      <p:sp>
+        <p:nvSpPr>
+          <p:cNvPr id="6" name="Foliennummernplatzhalter 5"/>
+          <p:cNvSpPr>
+            <a:spLocks noGrp="1"/>
+          </p:cNvSpPr>
+          <p:nvPr>
+            <p:ph type="sldNum" sz="quarter" idx="12"/>
+          </p:nvPr>
+        </p:nvSpPr>
+        <p:spPr/>
+        <p:txBody>
+          <a:bodyPr/>
+          <a:lstStyle/>
+          <a:p>
+            <a:pPr>
+              <a:defRPr/>
+            </a:pPr>
+            <a:fld id="{3C74D409-5571-4F32-B32A-C943406F16F9}" type="slidenum">
+              <a:rPr lang="de-DE" smtClean="0">
+                <a:latin typeface="Arial" panose="020B0604020202020204" pitchFamily="34" charset="0"/>
+                <a:cs typeface="Arial" panose="020B0604020202020204" pitchFamily="34" charset="0"/>
+              </a:rPr>
+              <a:pPr>
+                <a:defRPr/>
+              </a:pPr>
+              <a:t>43</a:t>
+            </a:fld>
+            <a:endParaRPr lang="de-DE" dirty="0">
+              <a:latin typeface="Arial" panose="020B0604020202020204" pitchFamily="34" charset="0"/>
+              <a:cs typeface="Arial" panose="020B0604020202020204" pitchFamily="34" charset="0"/>
+            </a:endParaRPr>
+          </a:p>
+        </p:txBody>
+      </p:sp>
+      <p:sp>
+        <p:nvSpPr>
+          <p:cNvPr id="3" name="Inhaltsplatzhalter 2"/>
+          <p:cNvSpPr>
+            <a:spLocks noGrp="1"/>
+          </p:cNvSpPr>
+          <p:nvPr>
+            <p:ph idx="4294967295"/>
+          </p:nvPr>
+        </p:nvSpPr>
+        <p:spPr>
+          <a:xfrm>
+            <a:off x="1979712" y="3356992"/>
+            <a:ext cx="4104455" cy="720080"/>
+          </a:xfrm>
+        </p:spPr>
+        <p:txBody>
+          <a:bodyPr/>
+          <a:lstStyle/>
+          <a:p>
+            <a:pPr marL="0" indent="0" algn="ctr">
+              <a:buNone/>
+            </a:pPr>
+            <a:r>
+              <a:rPr lang="de-DE" sz="4000" dirty="0" smtClean="0">
+                <a:solidFill>
+                  <a:schemeClr val="bg1"/>
+                </a:solidFill>
+                <a:latin typeface="Arial Black" panose="020B0A04020102020204" pitchFamily="34" charset="0"/>
+              </a:rPr>
+              <a:t>Noch Fragen ?</a:t>
+            </a:r>
+            <a:endParaRPr lang="de-DE" sz="4000" dirty="0">
+              <a:solidFill>
+                <a:schemeClr val="bg1"/>
+              </a:solidFill>
+              <a:latin typeface="Arial Black" panose="020B0A04020102020204" pitchFamily="34" charset="0"/>
+            </a:endParaRPr>
+          </a:p>
+        </p:txBody>
+      </p:sp>
+    </p:spTree>
+    <p:extLst>
+      <p:ext uri="{BB962C8B-B14F-4D97-AF65-F5344CB8AC3E}">
+        <p14:creationId xmlns:p14="http://schemas.microsoft.com/office/powerpoint/2010/main" val="2713362683"/>
+      </p:ext>
+    </p:extLst>
+  </p:cSld>
+  <p:clrMapOvr>
+    <a:masterClrMapping/>
+  </p:clrMapOvr>
+  <p:timing>
+    <p:tnLst>
+      <p:par>
+        <p:cTn id="1" dur="indefinite" restart="never" nodeType="tmRoot"/>
+      </p:par>
+    </p:tnLst>
+  </p:timing>
+</p:sld>
+</file>
+
+<file path=ppt/slides/slide44.xml><?xml version="1.0" encoding="utf-8"?>
+<p:sld xmlns:a="http://schemas.openxmlformats.org/drawingml/2006/main" xmlns:r="http://schemas.openxmlformats.org/officeDocument/2006/relationships" xmlns:p="http://schemas.openxmlformats.org/presentationml/2006/main">
+  <p:cSld>
+    <p:spTree>
+      <p:nvGrpSpPr>
+        <p:cNvPr id="1" name=""/>
+        <p:cNvGrpSpPr/>
+        <p:nvPr/>
+      </p:nvGrpSpPr>
+      <p:grpSpPr>
+        <a:xfrm>
+          <a:off x="0" y="0"/>
+          <a:ext cx="0" cy="0"/>
+          <a:chOff x="0" y="0"/>
+          <a:chExt cx="0" cy="0"/>
+        </a:xfrm>
+      </p:grpSpPr>
+      <p:sp>
+        <p:nvSpPr>
           <p:cNvPr id="2" name="Titel 1"/>
           <p:cNvSpPr>
             <a:spLocks noGrp="1"/>
@@ -27276,7 +27717,7 @@
               <a:pPr>
                 <a:defRPr/>
               </a:pPr>
-              <a:t>09.11.2017</a:t>
+              <a:t>10.11.2017</a:t>
             </a:fld>
             <a:endParaRPr lang="de-DE" dirty="0">
               <a:latin typeface="Arial" panose="020B0604020202020204" pitchFamily="34" charset="0"/>
@@ -27348,7 +27789,7 @@
               <a:pPr>
                 <a:defRPr/>
               </a:pPr>
-              <a:t>43</a:t>
+              <a:t>44</a:t>
             </a:fld>
             <a:endParaRPr lang="de-DE" dirty="0">
               <a:latin typeface="Arial" panose="020B0604020202020204" pitchFamily="34" charset="0"/>
@@ -28180,7 +28621,7 @@
               <a:pPr>
                 <a:defRPr/>
               </a:pPr>
-              <a:t>09.11.2017</a:t>
+              <a:t>10.11.2017</a:t>
             </a:fld>
             <a:endParaRPr lang="de-DE" dirty="0">
               <a:latin typeface="Arial" panose="020B0604020202020204" pitchFamily="34" charset="0"/>
@@ -28485,6 +28926,32 @@
               </a:rPr>
               <a:t>Eclipse</a:t>
             </a:r>
+            <a:endParaRPr lang="de-DE" sz="2000" dirty="0" smtClean="0">
+              <a:solidFill>
+                <a:srgbClr val="000000"/>
+              </a:solidFill>
+              <a:latin typeface="Arial" panose="020B0604020202020204" pitchFamily="34" charset="0"/>
+              <a:cs typeface="Arial" panose="020B0604020202020204" pitchFamily="34" charset="0"/>
+            </a:endParaRPr>
+          </a:p>
+          <a:p>
+            <a:pPr marL="457200" indent="-457200">
+              <a:lnSpc>
+                <a:spcPct val="200000"/>
+              </a:lnSpc>
+              <a:buFont typeface="+mj-lt"/>
+              <a:buAutoNum type="arabicPeriod"/>
+            </a:pPr>
+            <a:r>
+              <a:rPr lang="de-DE" sz="2000" dirty="0" smtClean="0">
+                <a:solidFill>
+                  <a:srgbClr val="000000"/>
+                </a:solidFill>
+                <a:latin typeface="Arial" panose="020B0604020202020204" pitchFamily="34" charset="0"/>
+                <a:cs typeface="Arial" panose="020B0604020202020204" pitchFamily="34" charset="0"/>
+              </a:rPr>
+              <a:t>Fragen</a:t>
+            </a:r>
             <a:endParaRPr lang="de-DE" sz="2000" dirty="0">
               <a:solidFill>
                 <a:srgbClr val="000000"/>
@@ -28526,7 +28993,7 @@
               <a:pPr>
                 <a:defRPr/>
               </a:pPr>
-              <a:t>09.11.2017</a:t>
+              <a:t>10.11.2017</a:t>
             </a:fld>
             <a:endParaRPr lang="de-DE" dirty="0">
               <a:latin typeface="Arial" panose="020B0604020202020204" pitchFamily="34" charset="0"/>
@@ -28723,16 +29190,7 @@
                 </a:solidFill>
                 <a:cs typeface="Arial" panose="020B0604020202020204" pitchFamily="34" charset="0"/>
               </a:rPr>
-              <a:t>ist ein </a:t>
-            </a:r>
-            <a:r>
-              <a:rPr lang="de-DE" sz="2000" dirty="0" smtClean="0">
-                <a:solidFill>
-                  <a:srgbClr val="000000"/>
-                </a:solidFill>
-                <a:cs typeface="Arial" panose="020B0604020202020204" pitchFamily="34" charset="0"/>
-              </a:rPr>
-              <a:t>System zur Erfassung von</a:t>
+              <a:t>ist ein System zur Erfassung von</a:t>
             </a:r>
             <a:br>
               <a:rPr lang="de-DE" sz="2000" dirty="0" smtClean="0">
@@ -28751,12 +29209,6 @@
               </a:rPr>
               <a:t>Änderungen an Dokumenten und Dateien</a:t>
             </a:r>
-            <a:endParaRPr lang="de-DE" sz="2000" dirty="0" smtClean="0">
-              <a:solidFill>
-                <a:srgbClr val="000000"/>
-              </a:solidFill>
-              <a:cs typeface="Arial" panose="020B0604020202020204" pitchFamily="34" charset="0"/>
-            </a:endParaRPr>
           </a:p>
           <a:p>
             <a:pPr>
@@ -28976,7 +29428,7 @@
               <a:pPr>
                 <a:defRPr/>
               </a:pPr>
-              <a:t>09.11.2017</a:t>
+              <a:t>10.11.2017</a:t>
             </a:fld>
             <a:endParaRPr lang="de-DE" dirty="0">
               <a:latin typeface="Arial" panose="020B0604020202020204" pitchFamily="34" charset="0"/>
@@ -29537,7 +29989,7 @@
               <a:pPr>
                 <a:defRPr/>
               </a:pPr>
-              <a:t>09.11.2017</a:t>
+              <a:t>10.11.2017</a:t>
             </a:fld>
             <a:endParaRPr lang="de-DE" dirty="0">
               <a:latin typeface="Arial" panose="020B0604020202020204" pitchFamily="34" charset="0"/>
@@ -29681,7 +30133,7 @@
         <p:spPr>
           <a:xfrm>
             <a:off x="107028" y="5936330"/>
-            <a:ext cx="5426486" cy="313932"/>
+            <a:ext cx="4317207" cy="313932"/>
           </a:xfrm>
           <a:prstGeom prst="rect">
             <a:avLst/>
@@ -29700,7 +30152,15 @@
                   <a:srgbClr val="000000"/>
                 </a:solidFill>
               </a:rPr>
-              <a:t>Abbildung 1: Quelle: </a:t>
+              <a:t>Quelle</a:t>
+            </a:r>
+            <a:r>
+              <a:rPr lang="de-DE" sz="1800" u="none" dirty="0" smtClean="0">
+                <a:solidFill>
+                  <a:srgbClr val="000000"/>
+                </a:solidFill>
+              </a:rPr>
+              <a:t>: </a:t>
             </a:r>
             <a:r>
               <a:rPr lang="de-DE" sz="1800" u="none" dirty="0">
@@ -29904,7 +30364,7 @@
               <a:pPr>
                 <a:defRPr/>
               </a:pPr>
-              <a:t>09.11.2017</a:t>
+              <a:t>10.11.2017</a:t>
             </a:fld>
             <a:endParaRPr lang="de-DE" dirty="0">
               <a:latin typeface="Arial" panose="020B0604020202020204" pitchFamily="34" charset="0"/>
@@ -30048,7 +30508,7 @@
         <p:spPr>
           <a:xfrm>
             <a:off x="14235" y="5938659"/>
-            <a:ext cx="6524543" cy="313932"/>
+            <a:ext cx="5521063" cy="313932"/>
           </a:xfrm>
           <a:prstGeom prst="rect">
             <a:avLst/>
@@ -30067,7 +30527,7 @@
                   <a:srgbClr val="000000"/>
                 </a:solidFill>
               </a:rPr>
-              <a:t>Abbildung 2: </a:t>
+              <a:t>Quelle</a:t>
             </a:r>
             <a:r>
               <a:rPr lang="de-DE" sz="1800" u="none" dirty="0">
@@ -30075,7 +30535,7 @@
                   <a:srgbClr val="000000"/>
                 </a:solidFill>
               </a:rPr>
-              <a:t>Quelle: https://git-scm.com/book/en/v2/images/centralized.png</a:t>
+              <a:t>: https://git-scm.com/book/en/v2/images/centralized.png</a:t>
             </a:r>
           </a:p>
         </p:txBody>
